--- a/Batch-07/Proff Lecture Material/8. Instance Types.pptx
+++ b/Batch-07/Proff Lecture Material/8. Instance Types.pptx
@@ -303,7 +303,7 @@
             <a:fld id="{B162C124-2E2D-443E-8A1F-4FE069FB38D2}" type="datetimeFigureOut">
               <a:rPr lang="en-US" smtClean="0"/>
               <a:pPr/>
-              <a:t>8/18/2020</a:t>
+              <a:t>12/5/2021</a:t>
             </a:fld>
             <a:endParaRPr lang="en-US"/>
           </a:p>
@@ -469,7 +469,7 @@
             <a:fld id="{B162C124-2E2D-443E-8A1F-4FE069FB38D2}" type="datetimeFigureOut">
               <a:rPr lang="en-US" smtClean="0"/>
               <a:pPr/>
-              <a:t>8/18/2020</a:t>
+              <a:t>12/5/2021</a:t>
             </a:fld>
             <a:endParaRPr lang="en-US"/>
           </a:p>
@@ -645,7 +645,7 @@
             <a:fld id="{B162C124-2E2D-443E-8A1F-4FE069FB38D2}" type="datetimeFigureOut">
               <a:rPr lang="en-US" smtClean="0"/>
               <a:pPr/>
-              <a:t>8/18/2020</a:t>
+              <a:t>12/5/2021</a:t>
             </a:fld>
             <a:endParaRPr lang="en-US"/>
           </a:p>
@@ -811,7 +811,7 @@
             <a:fld id="{B162C124-2E2D-443E-8A1F-4FE069FB38D2}" type="datetimeFigureOut">
               <a:rPr lang="en-US" smtClean="0"/>
               <a:pPr/>
-              <a:t>8/18/2020</a:t>
+              <a:t>12/5/2021</a:t>
             </a:fld>
             <a:endParaRPr lang="en-US"/>
           </a:p>
@@ -1054,7 +1054,7 @@
             <a:fld id="{B162C124-2E2D-443E-8A1F-4FE069FB38D2}" type="datetimeFigureOut">
               <a:rPr lang="en-US" smtClean="0"/>
               <a:pPr/>
-              <a:t>8/18/2020</a:t>
+              <a:t>12/5/2021</a:t>
             </a:fld>
             <a:endParaRPr lang="en-US"/>
           </a:p>
@@ -1319,7 +1319,7 @@
             <a:fld id="{B162C124-2E2D-443E-8A1F-4FE069FB38D2}" type="datetimeFigureOut">
               <a:rPr lang="en-US" smtClean="0"/>
               <a:pPr/>
-              <a:t>8/18/2020</a:t>
+              <a:t>12/5/2021</a:t>
             </a:fld>
             <a:endParaRPr lang="en-US"/>
           </a:p>
@@ -1698,7 +1698,7 @@
             <a:fld id="{B162C124-2E2D-443E-8A1F-4FE069FB38D2}" type="datetimeFigureOut">
               <a:rPr lang="en-US" smtClean="0"/>
               <a:pPr/>
-              <a:t>8/18/2020</a:t>
+              <a:t>12/5/2021</a:t>
             </a:fld>
             <a:endParaRPr lang="en-US"/>
           </a:p>
@@ -1849,7 +1849,7 @@
             <a:fld id="{B162C124-2E2D-443E-8A1F-4FE069FB38D2}" type="datetimeFigureOut">
               <a:rPr lang="en-US" smtClean="0"/>
               <a:pPr/>
-              <a:t>8/18/2020</a:t>
+              <a:t>12/5/2021</a:t>
             </a:fld>
             <a:endParaRPr lang="en-US"/>
           </a:p>
@@ -1941,7 +1941,7 @@
             <a:fld id="{B162C124-2E2D-443E-8A1F-4FE069FB38D2}" type="datetimeFigureOut">
               <a:rPr lang="en-US" smtClean="0"/>
               <a:pPr/>
-              <a:t>8/18/2020</a:t>
+              <a:t>12/5/2021</a:t>
             </a:fld>
             <a:endParaRPr lang="en-US"/>
           </a:p>
@@ -2203,7 +2203,7 @@
             <a:fld id="{B162C124-2E2D-443E-8A1F-4FE069FB38D2}" type="datetimeFigureOut">
               <a:rPr lang="en-US" smtClean="0"/>
               <a:pPr/>
-              <a:t>8/18/2020</a:t>
+              <a:t>12/5/2021</a:t>
             </a:fld>
             <a:endParaRPr lang="en-US"/>
           </a:p>
@@ -2492,7 +2492,7 @@
             <a:fld id="{B162C124-2E2D-443E-8A1F-4FE069FB38D2}" type="datetimeFigureOut">
               <a:rPr lang="en-US" smtClean="0"/>
               <a:pPr/>
-              <a:t>8/18/2020</a:t>
+              <a:t>12/5/2021</a:t>
             </a:fld>
             <a:endParaRPr lang="en-US"/>
           </a:p>
@@ -3263,7 +3263,7 @@
             <a:fld id="{B162C124-2E2D-443E-8A1F-4FE069FB38D2}" type="datetimeFigureOut">
               <a:rPr lang="en-US" smtClean="0"/>
               <a:pPr/>
-              <a:t>8/18/2020</a:t>
+              <a:t>12/5/2021</a:t>
             </a:fld>
             <a:endParaRPr lang="en-US"/>
           </a:p>
@@ -4178,7 +4178,7 @@
               <a:buNone/>
             </a:pPr>
             <a:r>
-              <a:rPr lang="en-US" sz="1800" dirty="0"/>
+              <a:rPr lang="en-US" sz="3500" dirty="0"/>
               <a:t>You can check the full list of the instance types from the below URL</a:t>
             </a:r>
           </a:p>
@@ -4187,16 +4187,16 @@
               <a:buNone/>
             </a:pPr>
             <a:r>
-              <a:rPr lang="en-US" sz="1800" dirty="0"/>
+              <a:rPr lang="en-US" sz="3500" dirty="0"/>
               <a:t>Reference link: </a:t>
             </a:r>
             <a:r>
-              <a:rPr lang="en-US" sz="1800" dirty="0">
+              <a:rPr lang="en-US" sz="3500" dirty="0">
                 <a:hlinkClick r:id="rId2"/>
               </a:rPr>
               <a:t>https://aws.amazon.com/ec2/instance-types/ </a:t>
             </a:r>
-            <a:endParaRPr lang="en-US" sz="1800" dirty="0"/>
+            <a:endParaRPr lang="en-US" sz="3500" dirty="0"/>
           </a:p>
           <a:p>
             <a:pPr lvl="1">
